--- a/images/figures.pptx
+++ b/images/figures.pptx
@@ -3609,6 +3609,65 @@
           <a:chExt cx="0" cy="0"/>
         </a:xfrm>
       </p:grpSpPr>
+      <p:sp>
+        <p:nvSpPr>
+          <p:cNvPr id="26" name="正方形/長方形 25">
+            <a:extLst>
+              <a:ext uri="{FF2B5EF4-FFF2-40B4-BE49-F238E27FC236}">
+                <a16:creationId xmlns:a16="http://schemas.microsoft.com/office/drawing/2014/main" id="{E7E8D479-62D1-2AF5-7964-39FA4113E4AE}"/>
+              </a:ext>
+            </a:extLst>
+          </p:cNvPr>
+          <p:cNvSpPr/>
+          <p:nvPr/>
+        </p:nvSpPr>
+        <p:spPr>
+          <a:xfrm>
+            <a:off x="2906785" y="2537670"/>
+            <a:ext cx="6444720" cy="2818701"/>
+          </a:xfrm>
+          <a:prstGeom prst="rect">
+            <a:avLst/>
+          </a:prstGeom>
+          <a:solidFill>
+            <a:schemeClr val="bg1"/>
+          </a:solidFill>
+          <a:ln>
+            <a:noFill/>
+          </a:ln>
+          <a:effectLst>
+            <a:outerShdw blurRad="50800" dist="38100" dir="2700000" algn="tl" rotWithShape="0">
+              <a:prstClr val="black">
+                <a:alpha val="40000"/>
+              </a:prstClr>
+            </a:outerShdw>
+          </a:effectLst>
+        </p:spPr>
+        <p:style>
+          <a:lnRef idx="2">
+            <a:schemeClr val="accent1">
+              <a:shade val="15000"/>
+            </a:schemeClr>
+          </a:lnRef>
+          <a:fillRef idx="1">
+            <a:schemeClr val="accent1"/>
+          </a:fillRef>
+          <a:effectRef idx="0">
+            <a:schemeClr val="accent1"/>
+          </a:effectRef>
+          <a:fontRef idx="minor">
+            <a:schemeClr val="lt1"/>
+          </a:fontRef>
+        </p:style>
+        <p:txBody>
+          <a:bodyPr rtlCol="0" anchor="ctr"/>
+          <a:lstStyle/>
+          <a:p>
+            <a:pPr algn="ctr"/>
+            <a:endParaRPr kumimoji="1" lang="ja-JP" altLang="en-US"/>
+          </a:p>
+        </p:txBody>
+      </p:sp>
       <p:pic>
         <p:nvPicPr>
           <p:cNvPr id="6" name="グラフィックス 5">
@@ -4106,7 +4165,7 @@
         </p:nvSpPr>
         <p:spPr>
           <a:xfrm>
-            <a:off x="7482082" y="4610232"/>
+            <a:off x="7310108" y="4618780"/>
             <a:ext cx="1869423" cy="276999"/>
           </a:xfrm>
           <a:prstGeom prst="rect">

--- a/images/figures.pptx
+++ b/images/figures.pptx
@@ -6,6 +6,8 @@
   </p:sldMasterIdLst>
   <p:sldIdLst>
     <p:sldId id="256" r:id="rId2"/>
+    <p:sldId id="258" r:id="rId3"/>
+    <p:sldId id="257" r:id="rId4"/>
   </p:sldIdLst>
   <p:sldSz cx="12192000" cy="6858000"/>
   <p:notesSz cx="6858000" cy="9144000"/>
@@ -104,6 +106,11 @@
       </a:defRPr>
     </a:lvl9pPr>
   </p:defaultTextStyle>
+  <p:extLst>
+    <p:ext uri="{EFAFB233-063F-42B5-8137-9DF3F51BA10A}">
+      <p15:sldGuideLst xmlns:p15="http://schemas.microsoft.com/office/powerpoint/2012/main"/>
+    </p:ext>
+  </p:extLst>
 </p:presentation>
 </file>
 
@@ -254,7 +261,7 @@
           <a:p>
             <a:fld id="{7AAAF817-A78F-466E-AF26-C0AD893BA362}" type="datetimeFigureOut">
               <a:rPr kumimoji="1" lang="ja-JP" altLang="en-US" smtClean="0"/>
-              <a:t>2023/9/4</a:t>
+              <a:t>2023/9/5</a:t>
             </a:fld>
             <a:endParaRPr kumimoji="1" lang="ja-JP" altLang="en-US"/>
           </a:p>
@@ -484,7 +491,7 @@
           <a:p>
             <a:fld id="{7AAAF817-A78F-466E-AF26-C0AD893BA362}" type="datetimeFigureOut">
               <a:rPr kumimoji="1" lang="ja-JP" altLang="en-US" smtClean="0"/>
-              <a:t>2023/9/4</a:t>
+              <a:t>2023/9/5</a:t>
             </a:fld>
             <a:endParaRPr kumimoji="1" lang="ja-JP" altLang="en-US"/>
           </a:p>
@@ -724,7 +731,7 @@
           <a:p>
             <a:fld id="{7AAAF817-A78F-466E-AF26-C0AD893BA362}" type="datetimeFigureOut">
               <a:rPr kumimoji="1" lang="ja-JP" altLang="en-US" smtClean="0"/>
-              <a:t>2023/9/4</a:t>
+              <a:t>2023/9/5</a:t>
             </a:fld>
             <a:endParaRPr kumimoji="1" lang="ja-JP" altLang="en-US"/>
           </a:p>
@@ -954,7 +961,7 @@
           <a:p>
             <a:fld id="{7AAAF817-A78F-466E-AF26-C0AD893BA362}" type="datetimeFigureOut">
               <a:rPr kumimoji="1" lang="ja-JP" altLang="en-US" smtClean="0"/>
-              <a:t>2023/9/4</a:t>
+              <a:t>2023/9/5</a:t>
             </a:fld>
             <a:endParaRPr kumimoji="1" lang="ja-JP" altLang="en-US"/>
           </a:p>
@@ -1229,7 +1236,7 @@
           <a:p>
             <a:fld id="{7AAAF817-A78F-466E-AF26-C0AD893BA362}" type="datetimeFigureOut">
               <a:rPr kumimoji="1" lang="ja-JP" altLang="en-US" smtClean="0"/>
-              <a:t>2023/9/4</a:t>
+              <a:t>2023/9/5</a:t>
             </a:fld>
             <a:endParaRPr kumimoji="1" lang="ja-JP" altLang="en-US"/>
           </a:p>
@@ -1558,7 +1565,7 @@
           <a:p>
             <a:fld id="{7AAAF817-A78F-466E-AF26-C0AD893BA362}" type="datetimeFigureOut">
               <a:rPr kumimoji="1" lang="ja-JP" altLang="en-US" smtClean="0"/>
-              <a:t>2023/9/4</a:t>
+              <a:t>2023/9/5</a:t>
             </a:fld>
             <a:endParaRPr kumimoji="1" lang="ja-JP" altLang="en-US"/>
           </a:p>
@@ -2034,7 +2041,7 @@
           <a:p>
             <a:fld id="{7AAAF817-A78F-466E-AF26-C0AD893BA362}" type="datetimeFigureOut">
               <a:rPr kumimoji="1" lang="ja-JP" altLang="en-US" smtClean="0"/>
-              <a:t>2023/9/4</a:t>
+              <a:t>2023/9/5</a:t>
             </a:fld>
             <a:endParaRPr kumimoji="1" lang="ja-JP" altLang="en-US"/>
           </a:p>
@@ -2175,7 +2182,7 @@
           <a:p>
             <a:fld id="{7AAAF817-A78F-466E-AF26-C0AD893BA362}" type="datetimeFigureOut">
               <a:rPr kumimoji="1" lang="ja-JP" altLang="en-US" smtClean="0"/>
-              <a:t>2023/9/4</a:t>
+              <a:t>2023/9/5</a:t>
             </a:fld>
             <a:endParaRPr kumimoji="1" lang="ja-JP" altLang="en-US"/>
           </a:p>
@@ -2288,7 +2295,7 @@
           <a:p>
             <a:fld id="{7AAAF817-A78F-466E-AF26-C0AD893BA362}" type="datetimeFigureOut">
               <a:rPr kumimoji="1" lang="ja-JP" altLang="en-US" smtClean="0"/>
-              <a:t>2023/9/4</a:t>
+              <a:t>2023/9/5</a:t>
             </a:fld>
             <a:endParaRPr kumimoji="1" lang="ja-JP" altLang="en-US"/>
           </a:p>
@@ -2631,7 +2638,7 @@
           <a:p>
             <a:fld id="{7AAAF817-A78F-466E-AF26-C0AD893BA362}" type="datetimeFigureOut">
               <a:rPr kumimoji="1" lang="ja-JP" altLang="en-US" smtClean="0"/>
-              <a:t>2023/9/4</a:t>
+              <a:t>2023/9/5</a:t>
             </a:fld>
             <a:endParaRPr kumimoji="1" lang="ja-JP" altLang="en-US"/>
           </a:p>
@@ -2919,7 +2926,7 @@
           <a:p>
             <a:fld id="{7AAAF817-A78F-466E-AF26-C0AD893BA362}" type="datetimeFigureOut">
               <a:rPr kumimoji="1" lang="ja-JP" altLang="en-US" smtClean="0"/>
-              <a:t>2023/9/4</a:t>
+              <a:t>2023/9/5</a:t>
             </a:fld>
             <a:endParaRPr kumimoji="1" lang="ja-JP" altLang="en-US"/>
           </a:p>
@@ -3192,7 +3199,7 @@
           <a:p>
             <a:fld id="{7AAAF817-A78F-466E-AF26-C0AD893BA362}" type="datetimeFigureOut">
               <a:rPr kumimoji="1" lang="ja-JP" altLang="en-US" smtClean="0"/>
-              <a:t>2023/9/4</a:t>
+              <a:t>2023/9/5</a:t>
             </a:fld>
             <a:endParaRPr kumimoji="1" lang="ja-JP" altLang="en-US"/>
           </a:p>
@@ -4249,6 +4256,232 @@
     <p:extLst>
       <p:ext uri="{BB962C8B-B14F-4D97-AF65-F5344CB8AC3E}">
         <p14:creationId xmlns:p14="http://schemas.microsoft.com/office/powerpoint/2010/main" val="2040501683"/>
+      </p:ext>
+    </p:extLst>
+  </p:cSld>
+  <p:clrMapOvr>
+    <a:masterClrMapping/>
+  </p:clrMapOvr>
+</p:sld>
+</file>
+
+<file path=ppt/slides/slide2.xml><?xml version="1.0" encoding="utf-8"?>
+<p:sld xmlns:a="http://schemas.openxmlformats.org/drawingml/2006/main" xmlns:r="http://schemas.openxmlformats.org/officeDocument/2006/relationships" xmlns:p="http://schemas.openxmlformats.org/presentationml/2006/main">
+  <p:cSld>
+    <p:spTree>
+      <p:nvGrpSpPr>
+        <p:cNvPr id="1" name=""/>
+        <p:cNvGrpSpPr/>
+        <p:nvPr/>
+      </p:nvGrpSpPr>
+      <p:grpSpPr>
+        <a:xfrm>
+          <a:off x="0" y="0"/>
+          <a:ext cx="0" cy="0"/>
+          <a:chOff x="0" y="0"/>
+          <a:chExt cx="0" cy="0"/>
+        </a:xfrm>
+      </p:grpSpPr>
+      <p:pic>
+        <p:nvPicPr>
+          <p:cNvPr id="3" name="図 2" descr="グラフィカル ユーザー インターフェイス, テキスト, アプリケーション, メール&#10;&#10;自動的に生成された説明">
+            <a:extLst>
+              <a:ext uri="{FF2B5EF4-FFF2-40B4-BE49-F238E27FC236}">
+                <a16:creationId xmlns:a16="http://schemas.microsoft.com/office/drawing/2014/main" id="{21531248-E664-A6BB-6B69-9D48D4F6201B}"/>
+              </a:ext>
+            </a:extLst>
+          </p:cNvPr>
+          <p:cNvPicPr>
+            <a:picLocks noChangeAspect="1"/>
+          </p:cNvPicPr>
+          <p:nvPr/>
+        </p:nvPicPr>
+        <p:blipFill>
+          <a:blip r:embed="rId2">
+            <a:extLst>
+              <a:ext uri="{28A0092B-C50C-407E-A947-70E740481C1C}">
+                <a14:useLocalDpi xmlns:a14="http://schemas.microsoft.com/office/drawing/2010/main" val="0"/>
+              </a:ext>
+            </a:extLst>
+          </a:blip>
+          <a:stretch>
+            <a:fillRect/>
+          </a:stretch>
+        </p:blipFill>
+        <p:spPr>
+          <a:xfrm>
+            <a:off x="4278384" y="150978"/>
+            <a:ext cx="7606342" cy="5667768"/>
+          </a:xfrm>
+          <a:prstGeom prst="rect">
+            <a:avLst/>
+          </a:prstGeom>
+          <a:ln>
+            <a:noFill/>
+          </a:ln>
+          <a:effectLst>
+            <a:outerShdw blurRad="292100" dist="139700" dir="2700000" algn="tl" rotWithShape="0">
+              <a:srgbClr val="333333">
+                <a:alpha val="65000"/>
+              </a:srgbClr>
+            </a:outerShdw>
+          </a:effectLst>
+        </p:spPr>
+      </p:pic>
+      <p:pic>
+        <p:nvPicPr>
+          <p:cNvPr id="5" name="図 4">
+            <a:extLst>
+              <a:ext uri="{FF2B5EF4-FFF2-40B4-BE49-F238E27FC236}">
+                <a16:creationId xmlns:a16="http://schemas.microsoft.com/office/drawing/2014/main" id="{739BAEDE-CA0D-501E-EEE5-CE6C1C807833}"/>
+              </a:ext>
+            </a:extLst>
+          </p:cNvPr>
+          <p:cNvPicPr>
+            <a:picLocks noChangeAspect="1"/>
+          </p:cNvPicPr>
+          <p:nvPr/>
+        </p:nvPicPr>
+        <p:blipFill>
+          <a:blip r:embed="rId3"/>
+          <a:stretch>
+            <a:fillRect/>
+          </a:stretch>
+        </p:blipFill>
+        <p:spPr>
+          <a:xfrm>
+            <a:off x="589723" y="2615762"/>
+            <a:ext cx="4716259" cy="1774522"/>
+          </a:xfrm>
+          <a:prstGeom prst="rect">
+            <a:avLst/>
+          </a:prstGeom>
+          <a:ln>
+            <a:noFill/>
+          </a:ln>
+          <a:effectLst>
+            <a:outerShdw blurRad="292100" dist="139700" dir="2700000" algn="tl" rotWithShape="0">
+              <a:srgbClr val="333333">
+                <a:alpha val="65000"/>
+              </a:srgbClr>
+            </a:outerShdw>
+          </a:effectLst>
+        </p:spPr>
+      </p:pic>
+    </p:spTree>
+    <p:extLst>
+      <p:ext uri="{BB962C8B-B14F-4D97-AF65-F5344CB8AC3E}">
+        <p14:creationId xmlns:p14="http://schemas.microsoft.com/office/powerpoint/2010/main" val="2469837712"/>
+      </p:ext>
+    </p:extLst>
+  </p:cSld>
+  <p:clrMapOvr>
+    <a:masterClrMapping/>
+  </p:clrMapOvr>
+</p:sld>
+</file>
+
+<file path=ppt/slides/slide3.xml><?xml version="1.0" encoding="utf-8"?>
+<p:sld xmlns:a="http://schemas.openxmlformats.org/drawingml/2006/main" xmlns:r="http://schemas.openxmlformats.org/officeDocument/2006/relationships" xmlns:p="http://schemas.openxmlformats.org/presentationml/2006/main">
+  <p:cSld>
+    <p:spTree>
+      <p:nvGrpSpPr>
+        <p:cNvPr id="1" name=""/>
+        <p:cNvGrpSpPr/>
+        <p:nvPr/>
+      </p:nvGrpSpPr>
+      <p:grpSpPr>
+        <a:xfrm>
+          <a:off x="0" y="0"/>
+          <a:ext cx="0" cy="0"/>
+          <a:chOff x="0" y="0"/>
+          <a:chExt cx="0" cy="0"/>
+        </a:xfrm>
+      </p:grpSpPr>
+      <p:pic>
+        <p:nvPicPr>
+          <p:cNvPr id="5" name="図 4">
+            <a:extLst>
+              <a:ext uri="{FF2B5EF4-FFF2-40B4-BE49-F238E27FC236}">
+                <a16:creationId xmlns:a16="http://schemas.microsoft.com/office/drawing/2014/main" id="{81E73630-BD13-0F6C-AC82-1B2124689CE7}"/>
+              </a:ext>
+            </a:extLst>
+          </p:cNvPr>
+          <p:cNvPicPr>
+            <a:picLocks noChangeAspect="1"/>
+          </p:cNvPicPr>
+          <p:nvPr/>
+        </p:nvPicPr>
+        <p:blipFill>
+          <a:blip r:embed="rId2"/>
+          <a:stretch>
+            <a:fillRect/>
+          </a:stretch>
+        </p:blipFill>
+        <p:spPr>
+          <a:xfrm>
+            <a:off x="376987" y="463012"/>
+            <a:ext cx="5719013" cy="2110856"/>
+          </a:xfrm>
+          <a:prstGeom prst="rect">
+            <a:avLst/>
+          </a:prstGeom>
+          <a:ln>
+            <a:noFill/>
+          </a:ln>
+          <a:effectLst>
+            <a:outerShdw blurRad="292100" dist="139700" dir="2700000" algn="tl" rotWithShape="0">
+              <a:srgbClr val="333333">
+                <a:alpha val="65000"/>
+              </a:srgbClr>
+            </a:outerShdw>
+          </a:effectLst>
+        </p:spPr>
+      </p:pic>
+      <p:pic>
+        <p:nvPicPr>
+          <p:cNvPr id="3" name="図 2">
+            <a:extLst>
+              <a:ext uri="{FF2B5EF4-FFF2-40B4-BE49-F238E27FC236}">
+                <a16:creationId xmlns:a16="http://schemas.microsoft.com/office/drawing/2014/main" id="{C825D047-FDDF-6AEF-4143-02136C28CFB1}"/>
+              </a:ext>
+            </a:extLst>
+          </p:cNvPr>
+          <p:cNvPicPr>
+            <a:picLocks noChangeAspect="1"/>
+          </p:cNvPicPr>
+          <p:nvPr/>
+        </p:nvPicPr>
+        <p:blipFill>
+          <a:blip r:embed="rId3"/>
+          <a:stretch>
+            <a:fillRect/>
+          </a:stretch>
+        </p:blipFill>
+        <p:spPr>
+          <a:xfrm>
+            <a:off x="6232131" y="463012"/>
+            <a:ext cx="5170598" cy="2698336"/>
+          </a:xfrm>
+          <a:prstGeom prst="rect">
+            <a:avLst/>
+          </a:prstGeom>
+          <a:ln>
+            <a:noFill/>
+          </a:ln>
+          <a:effectLst>
+            <a:outerShdw blurRad="292100" dist="139700" dir="2700000" algn="tl" rotWithShape="0">
+              <a:srgbClr val="333333">
+                <a:alpha val="65000"/>
+              </a:srgbClr>
+            </a:outerShdw>
+          </a:effectLst>
+        </p:spPr>
+      </p:pic>
+    </p:spTree>
+    <p:extLst>
+      <p:ext uri="{BB962C8B-B14F-4D97-AF65-F5344CB8AC3E}">
+        <p14:creationId xmlns:p14="http://schemas.microsoft.com/office/powerpoint/2010/main" val="352609547"/>
       </p:ext>
     </p:extLst>
   </p:cSld>
